--- a/presentacion/presentacion_PID.pptx
+++ b/presentacion/presentacion_PID.pptx
@@ -108,6 +108,11 @@
       </a:defRPr>
     </a:lvl9pPr>
   </p:defaultTextStyle>
+  <p:extLst>
+    <p:ext uri="{EFAFB233-063F-42B5-8137-9DF3F51BA10A}">
+      <p15:sldGuideLst xmlns:p15="http://schemas.microsoft.com/office/powerpoint/2012/main"/>
+    </p:ext>
+  </p:extLst>
 </p:presentation>
 </file>
 
@@ -5983,6 +5988,176 @@
           <a:chExt cx="0" cy="0"/>
         </a:xfrm>
       </p:grpSpPr>
+      <p:sp>
+        <p:nvSpPr>
+          <p:cNvPr id="2" name="CuadroTexto 1">
+            <a:extLst>
+              <a:ext uri="{FF2B5EF4-FFF2-40B4-BE49-F238E27FC236}">
+                <a16:creationId xmlns:a16="http://schemas.microsoft.com/office/drawing/2014/main" id="{88F2D06B-DD0F-66D4-B599-2D3EDA017A62}"/>
+              </a:ext>
+            </a:extLst>
+          </p:cNvPr>
+          <p:cNvSpPr txBox="1"/>
+          <p:nvPr/>
+        </p:nvSpPr>
+        <p:spPr>
+          <a:xfrm>
+            <a:off x="3725106" y="497090"/>
+            <a:ext cx="1718336" cy="646331"/>
+          </a:xfrm>
+          <a:prstGeom prst="rect">
+            <a:avLst/>
+          </a:prstGeom>
+          <a:noFill/>
+        </p:spPr>
+        <p:txBody>
+          <a:bodyPr wrap="square" rtlCol="0">
+            <a:spAutoFit/>
+          </a:bodyPr>
+          <a:lstStyle/>
+          <a:p>
+            <a:r>
+              <a:rPr lang="es-ES" sz="3600" u="sng" dirty="0"/>
+              <a:t>ÍNDICE</a:t>
+            </a:r>
+            <a:endParaRPr lang="es-ES" u="sng" dirty="0"/>
+          </a:p>
+        </p:txBody>
+      </p:sp>
+      <p:sp>
+        <p:nvSpPr>
+          <p:cNvPr id="3" name="CuadroTexto 2">
+            <a:extLst>
+              <a:ext uri="{FF2B5EF4-FFF2-40B4-BE49-F238E27FC236}">
+                <a16:creationId xmlns:a16="http://schemas.microsoft.com/office/drawing/2014/main" id="{5DAD4F00-00D1-BD69-D245-B0E35AB10BF0}"/>
+              </a:ext>
+            </a:extLst>
+          </p:cNvPr>
+          <p:cNvSpPr txBox="1"/>
+          <p:nvPr/>
+        </p:nvSpPr>
+        <p:spPr>
+          <a:xfrm>
+            <a:off x="895989" y="1798116"/>
+            <a:ext cx="8591678" cy="2805833"/>
+          </a:xfrm>
+          <a:prstGeom prst="rect">
+            <a:avLst/>
+          </a:prstGeom>
+          <a:noFill/>
+        </p:spPr>
+        <p:txBody>
+          <a:bodyPr wrap="square" rtlCol="0">
+            <a:spAutoFit/>
+          </a:bodyPr>
+          <a:lstStyle/>
+          <a:p>
+            <a:pPr marL="342900" indent="-342900">
+              <a:lnSpc>
+                <a:spcPct val="150000"/>
+              </a:lnSpc>
+              <a:buAutoNum type="arabicPeriod"/>
+            </a:pPr>
+            <a:r>
+              <a:rPr lang="es-ES" sz="2000" dirty="0"/>
+              <a:t>Cascadas de </a:t>
+            </a:r>
+            <a:r>
+              <a:rPr lang="es-ES" sz="2000" dirty="0" err="1"/>
+              <a:t>Haar</a:t>
+            </a:r>
+            <a:r>
+              <a:rPr lang="es-ES" sz="2000" dirty="0"/>
+              <a:t>.</a:t>
+            </a:r>
+          </a:p>
+          <a:p>
+            <a:pPr marL="342900" indent="-342900">
+              <a:lnSpc>
+                <a:spcPct val="150000"/>
+              </a:lnSpc>
+              <a:buFontTx/>
+              <a:buAutoNum type="arabicPeriod"/>
+            </a:pPr>
+            <a:r>
+              <a:rPr lang="es-ES" sz="2000" dirty="0"/>
+              <a:t>Filtros cascadas de </a:t>
+            </a:r>
+            <a:r>
+              <a:rPr lang="es-ES" sz="2000" dirty="0" err="1"/>
+              <a:t>Haar</a:t>
+            </a:r>
+            <a:r>
+              <a:rPr lang="es-ES" sz="2000" dirty="0"/>
+              <a:t>.</a:t>
+            </a:r>
+          </a:p>
+          <a:p>
+            <a:pPr marL="342900" indent="-342900">
+              <a:lnSpc>
+                <a:spcPct val="150000"/>
+              </a:lnSpc>
+              <a:buAutoNum type="arabicPeriod"/>
+            </a:pPr>
+            <a:r>
+              <a:rPr lang="es-ES" sz="2000" dirty="0"/>
+              <a:t>Detección de caras usando Cascadas de </a:t>
+            </a:r>
+            <a:r>
+              <a:rPr lang="es-ES" sz="2000" dirty="0" err="1"/>
+              <a:t>Haar</a:t>
+            </a:r>
+            <a:r>
+              <a:rPr lang="es-ES" sz="2000" dirty="0"/>
+              <a:t> (</a:t>
+            </a:r>
+            <a:r>
+              <a:rPr lang="es-ES" sz="2000" dirty="0" err="1"/>
+              <a:t>woodcutters_detected</a:t>
+            </a:r>
+            <a:r>
+              <a:rPr lang="es-ES" sz="2000" dirty="0"/>
+              <a:t>).</a:t>
+            </a:r>
+          </a:p>
+          <a:p>
+            <a:pPr marL="342900" indent="-342900">
+              <a:lnSpc>
+                <a:spcPct val="150000"/>
+              </a:lnSpc>
+              <a:buAutoNum type="arabicPeriod"/>
+            </a:pPr>
+            <a:r>
+              <a:rPr lang="es-ES" sz="2000" dirty="0"/>
+              <a:t>Detección de caras (Demostración en tiempo real).</a:t>
+            </a:r>
+          </a:p>
+          <a:p>
+            <a:pPr marL="342900" indent="-342900">
+              <a:lnSpc>
+                <a:spcPct val="150000"/>
+              </a:lnSpc>
+              <a:buAutoNum type="arabicPeriod"/>
+            </a:pPr>
+            <a:r>
+              <a:rPr lang="es-ES" sz="2000" dirty="0"/>
+              <a:t>Intercambio de caras (Demostración en tiempo real).</a:t>
+            </a:r>
+          </a:p>
+          <a:p>
+            <a:pPr marL="342900" indent="-342900">
+              <a:lnSpc>
+                <a:spcPct val="150000"/>
+              </a:lnSpc>
+              <a:buAutoNum type="arabicPeriod"/>
+            </a:pPr>
+            <a:r>
+              <a:rPr lang="es-ES" sz="2000" dirty="0"/>
+              <a:t>Conclusiones.</a:t>
+            </a:r>
+          </a:p>
+        </p:txBody>
+      </p:sp>
     </p:spTree>
     <p:extLst>
       <p:ext uri="{BB962C8B-B14F-4D97-AF65-F5344CB8AC3E}">

--- a/presentacion/presentacion_PID.pptx
+++ b/presentacion/presentacion_PID.pptx
@@ -838,7 +838,7 @@
           <a:p>
             <a:fld id="{401FBF8E-4B64-4397-BC3A-189C05C0C48D}" type="datetimeFigureOut">
               <a:rPr lang="es-ES" smtClean="0"/>
-              <a:t>29/04/2025</a:t>
+              <a:t>05/05/2025</a:t>
             </a:fld>
             <a:endParaRPr lang="es-ES"/>
           </a:p>
@@ -1089,7 +1089,7 @@
           <a:p>
             <a:fld id="{401FBF8E-4B64-4397-BC3A-189C05C0C48D}" type="datetimeFigureOut">
               <a:rPr lang="es-ES" smtClean="0"/>
-              <a:t>29/04/2025</a:t>
+              <a:t>05/05/2025</a:t>
             </a:fld>
             <a:endParaRPr lang="es-ES"/>
           </a:p>
@@ -1403,7 +1403,7 @@
           <a:p>
             <a:fld id="{401FBF8E-4B64-4397-BC3A-189C05C0C48D}" type="datetimeFigureOut">
               <a:rPr lang="es-ES" smtClean="0"/>
-              <a:t>29/04/2025</a:t>
+              <a:t>05/05/2025</a:t>
             </a:fld>
             <a:endParaRPr lang="es-ES"/>
           </a:p>
@@ -1744,7 +1744,7 @@
           <a:p>
             <a:fld id="{401FBF8E-4B64-4397-BC3A-189C05C0C48D}" type="datetimeFigureOut">
               <a:rPr lang="es-ES" smtClean="0"/>
-              <a:t>29/04/2025</a:t>
+              <a:t>05/05/2025</a:t>
             </a:fld>
             <a:endParaRPr lang="es-ES"/>
           </a:p>
@@ -2058,7 +2058,7 @@
           <a:p>
             <a:fld id="{401FBF8E-4B64-4397-BC3A-189C05C0C48D}" type="datetimeFigureOut">
               <a:rPr lang="es-ES" smtClean="0"/>
-              <a:t>29/04/2025</a:t>
+              <a:t>05/05/2025</a:t>
             </a:fld>
             <a:endParaRPr lang="es-ES"/>
           </a:p>
@@ -2451,7 +2451,7 @@
           <a:p>
             <a:fld id="{401FBF8E-4B64-4397-BC3A-189C05C0C48D}" type="datetimeFigureOut">
               <a:rPr lang="es-ES" smtClean="0"/>
-              <a:t>29/04/2025</a:t>
+              <a:t>05/05/2025</a:t>
             </a:fld>
             <a:endParaRPr lang="es-ES"/>
           </a:p>
@@ -2621,7 +2621,7 @@
           <a:p>
             <a:fld id="{401FBF8E-4B64-4397-BC3A-189C05C0C48D}" type="datetimeFigureOut">
               <a:rPr lang="es-ES" smtClean="0"/>
-              <a:t>29/04/2025</a:t>
+              <a:t>05/05/2025</a:t>
             </a:fld>
             <a:endParaRPr lang="es-ES"/>
           </a:p>
@@ -2801,7 +2801,7 @@
           <a:p>
             <a:fld id="{401FBF8E-4B64-4397-BC3A-189C05C0C48D}" type="datetimeFigureOut">
               <a:rPr lang="es-ES" smtClean="0"/>
-              <a:t>29/04/2025</a:t>
+              <a:t>05/05/2025</a:t>
             </a:fld>
             <a:endParaRPr lang="es-ES"/>
           </a:p>
@@ -2977,7 +2977,7 @@
           <a:p>
             <a:fld id="{401FBF8E-4B64-4397-BC3A-189C05C0C48D}" type="datetimeFigureOut">
               <a:rPr lang="es-ES" smtClean="0"/>
-              <a:t>29/04/2025</a:t>
+              <a:t>05/05/2025</a:t>
             </a:fld>
             <a:endParaRPr lang="es-ES"/>
           </a:p>
@@ -3224,7 +3224,7 @@
           <a:p>
             <a:fld id="{401FBF8E-4B64-4397-BC3A-189C05C0C48D}" type="datetimeFigureOut">
               <a:rPr lang="es-ES" smtClean="0"/>
-              <a:t>29/04/2025</a:t>
+              <a:t>05/05/2025</a:t>
             </a:fld>
             <a:endParaRPr lang="es-ES"/>
           </a:p>
@@ -3456,7 +3456,7 @@
           <a:p>
             <a:fld id="{401FBF8E-4B64-4397-BC3A-189C05C0C48D}" type="datetimeFigureOut">
               <a:rPr lang="es-ES" smtClean="0"/>
-              <a:t>29/04/2025</a:t>
+              <a:t>05/05/2025</a:t>
             </a:fld>
             <a:endParaRPr lang="es-ES"/>
           </a:p>
@@ -3830,7 +3830,7 @@
           <a:p>
             <a:fld id="{401FBF8E-4B64-4397-BC3A-189C05C0C48D}" type="datetimeFigureOut">
               <a:rPr lang="es-ES" smtClean="0"/>
-              <a:t>29/04/2025</a:t>
+              <a:t>05/05/2025</a:t>
             </a:fld>
             <a:endParaRPr lang="es-ES"/>
           </a:p>
@@ -3953,7 +3953,7 @@
           <a:p>
             <a:fld id="{401FBF8E-4B64-4397-BC3A-189C05C0C48D}" type="datetimeFigureOut">
               <a:rPr lang="es-ES" smtClean="0"/>
-              <a:t>29/04/2025</a:t>
+              <a:t>05/05/2025</a:t>
             </a:fld>
             <a:endParaRPr lang="es-ES"/>
           </a:p>
@@ -4048,7 +4048,7 @@
           <a:p>
             <a:fld id="{401FBF8E-4B64-4397-BC3A-189C05C0C48D}" type="datetimeFigureOut">
               <a:rPr lang="es-ES" smtClean="0"/>
-              <a:t>29/04/2025</a:t>
+              <a:t>05/05/2025</a:t>
             </a:fld>
             <a:endParaRPr lang="es-ES"/>
           </a:p>
@@ -4303,7 +4303,7 @@
           <a:p>
             <a:fld id="{401FBF8E-4B64-4397-BC3A-189C05C0C48D}" type="datetimeFigureOut">
               <a:rPr lang="es-ES" smtClean="0"/>
-              <a:t>29/04/2025</a:t>
+              <a:t>05/05/2025</a:t>
             </a:fld>
             <a:endParaRPr lang="es-ES"/>
           </a:p>
@@ -4566,7 +4566,7 @@
           <a:p>
             <a:fld id="{401FBF8E-4B64-4397-BC3A-189C05C0C48D}" type="datetimeFigureOut">
               <a:rPr lang="es-ES" smtClean="0"/>
-              <a:t>29/04/2025</a:t>
+              <a:t>05/05/2025</a:t>
             </a:fld>
             <a:endParaRPr lang="es-ES"/>
           </a:p>
@@ -5309,7 +5309,7 @@
           <a:p>
             <a:fld id="{401FBF8E-4B64-4397-BC3A-189C05C0C48D}" type="datetimeFigureOut">
               <a:rPr lang="es-ES" smtClean="0"/>
-              <a:t>29/04/2025</a:t>
+              <a:t>05/05/2025</a:t>
             </a:fld>
             <a:endParaRPr lang="es-ES"/>
           </a:p>
@@ -6039,7 +6039,7 @@
         <p:spPr>
           <a:xfrm>
             <a:off x="895989" y="1798116"/>
-            <a:ext cx="8591678" cy="2805833"/>
+            <a:ext cx="8591678" cy="3267498"/>
           </a:xfrm>
           <a:prstGeom prst="rect">
             <a:avLst/>
@@ -6051,6 +6051,18 @@
             <a:spAutoFit/>
           </a:bodyPr>
           <a:lstStyle/>
+          <a:p>
+            <a:pPr marL="342900" indent="-342900">
+              <a:lnSpc>
+                <a:spcPct val="150000"/>
+              </a:lnSpc>
+              <a:buAutoNum type="arabicPeriod"/>
+            </a:pPr>
+            <a:r>
+              <a:rPr lang="es-ES" sz="2000" dirty="0"/>
+              <a:t>Introducción</a:t>
+            </a:r>
+          </a:p>
           <a:p>
             <a:pPr marL="342900" indent="-342900">
               <a:lnSpc>
@@ -6081,7 +6093,7 @@
             </a:pPr>
             <a:r>
               <a:rPr lang="es-ES" sz="2000" dirty="0"/>
-              <a:t>Filtros cascadas de </a:t>
+              <a:t>Filtros de cascadas de </a:t>
             </a:r>
             <a:r>
               <a:rPr lang="es-ES" sz="2000" dirty="0" err="1"/>
@@ -6109,15 +6121,7 @@
             </a:r>
             <a:r>
               <a:rPr lang="es-ES" sz="2000" dirty="0"/>
-              <a:t> (</a:t>
-            </a:r>
-            <a:r>
-              <a:rPr lang="es-ES" sz="2000" dirty="0" err="1"/>
-              <a:t>woodcutters_detected</a:t>
-            </a:r>
-            <a:r>
-              <a:rPr lang="es-ES" sz="2000" dirty="0"/>
-              <a:t>).</a:t>
+              <a:t>.</a:t>
             </a:r>
           </a:p>
           <a:p>

--- a/presentacion/presentacion_PID.pptx
+++ b/presentacion/presentacion_PID.pptx
@@ -10,6 +10,7 @@
     <p:sldId id="258" r:id="rId4"/>
     <p:sldId id="259" r:id="rId5"/>
     <p:sldId id="260" r:id="rId6"/>
+    <p:sldId id="261" r:id="rId7"/>
   </p:sldIdLst>
   <p:sldSz cx="12192000" cy="6858000"/>
   <p:notesSz cx="6858000" cy="9144000"/>
@@ -838,7 +839,7 @@
           <a:p>
             <a:fld id="{401FBF8E-4B64-4397-BC3A-189C05C0C48D}" type="datetimeFigureOut">
               <a:rPr lang="es-ES" smtClean="0"/>
-              <a:t>05/05/2025</a:t>
+              <a:t>11/05/2025</a:t>
             </a:fld>
             <a:endParaRPr lang="es-ES"/>
           </a:p>
@@ -1089,7 +1090,7 @@
           <a:p>
             <a:fld id="{401FBF8E-4B64-4397-BC3A-189C05C0C48D}" type="datetimeFigureOut">
               <a:rPr lang="es-ES" smtClean="0"/>
-              <a:t>05/05/2025</a:t>
+              <a:t>11/05/2025</a:t>
             </a:fld>
             <a:endParaRPr lang="es-ES"/>
           </a:p>
@@ -1403,7 +1404,7 @@
           <a:p>
             <a:fld id="{401FBF8E-4B64-4397-BC3A-189C05C0C48D}" type="datetimeFigureOut">
               <a:rPr lang="es-ES" smtClean="0"/>
-              <a:t>05/05/2025</a:t>
+              <a:t>11/05/2025</a:t>
             </a:fld>
             <a:endParaRPr lang="es-ES"/>
           </a:p>
@@ -1744,7 +1745,7 @@
           <a:p>
             <a:fld id="{401FBF8E-4B64-4397-BC3A-189C05C0C48D}" type="datetimeFigureOut">
               <a:rPr lang="es-ES" smtClean="0"/>
-              <a:t>05/05/2025</a:t>
+              <a:t>11/05/2025</a:t>
             </a:fld>
             <a:endParaRPr lang="es-ES"/>
           </a:p>
@@ -2058,7 +2059,7 @@
           <a:p>
             <a:fld id="{401FBF8E-4B64-4397-BC3A-189C05C0C48D}" type="datetimeFigureOut">
               <a:rPr lang="es-ES" smtClean="0"/>
-              <a:t>05/05/2025</a:t>
+              <a:t>11/05/2025</a:t>
             </a:fld>
             <a:endParaRPr lang="es-ES"/>
           </a:p>
@@ -2451,7 +2452,7 @@
           <a:p>
             <a:fld id="{401FBF8E-4B64-4397-BC3A-189C05C0C48D}" type="datetimeFigureOut">
               <a:rPr lang="es-ES" smtClean="0"/>
-              <a:t>05/05/2025</a:t>
+              <a:t>11/05/2025</a:t>
             </a:fld>
             <a:endParaRPr lang="es-ES"/>
           </a:p>
@@ -2621,7 +2622,7 @@
           <a:p>
             <a:fld id="{401FBF8E-4B64-4397-BC3A-189C05C0C48D}" type="datetimeFigureOut">
               <a:rPr lang="es-ES" smtClean="0"/>
-              <a:t>05/05/2025</a:t>
+              <a:t>11/05/2025</a:t>
             </a:fld>
             <a:endParaRPr lang="es-ES"/>
           </a:p>
@@ -2801,7 +2802,7 @@
           <a:p>
             <a:fld id="{401FBF8E-4B64-4397-BC3A-189C05C0C48D}" type="datetimeFigureOut">
               <a:rPr lang="es-ES" smtClean="0"/>
-              <a:t>05/05/2025</a:t>
+              <a:t>11/05/2025</a:t>
             </a:fld>
             <a:endParaRPr lang="es-ES"/>
           </a:p>
@@ -2977,7 +2978,7 @@
           <a:p>
             <a:fld id="{401FBF8E-4B64-4397-BC3A-189C05C0C48D}" type="datetimeFigureOut">
               <a:rPr lang="es-ES" smtClean="0"/>
-              <a:t>05/05/2025</a:t>
+              <a:t>11/05/2025</a:t>
             </a:fld>
             <a:endParaRPr lang="es-ES"/>
           </a:p>
@@ -3224,7 +3225,7 @@
           <a:p>
             <a:fld id="{401FBF8E-4B64-4397-BC3A-189C05C0C48D}" type="datetimeFigureOut">
               <a:rPr lang="es-ES" smtClean="0"/>
-              <a:t>05/05/2025</a:t>
+              <a:t>11/05/2025</a:t>
             </a:fld>
             <a:endParaRPr lang="es-ES"/>
           </a:p>
@@ -3456,7 +3457,7 @@
           <a:p>
             <a:fld id="{401FBF8E-4B64-4397-BC3A-189C05C0C48D}" type="datetimeFigureOut">
               <a:rPr lang="es-ES" smtClean="0"/>
-              <a:t>05/05/2025</a:t>
+              <a:t>11/05/2025</a:t>
             </a:fld>
             <a:endParaRPr lang="es-ES"/>
           </a:p>
@@ -3830,7 +3831,7 @@
           <a:p>
             <a:fld id="{401FBF8E-4B64-4397-BC3A-189C05C0C48D}" type="datetimeFigureOut">
               <a:rPr lang="es-ES" smtClean="0"/>
-              <a:t>05/05/2025</a:t>
+              <a:t>11/05/2025</a:t>
             </a:fld>
             <a:endParaRPr lang="es-ES"/>
           </a:p>
@@ -3953,7 +3954,7 @@
           <a:p>
             <a:fld id="{401FBF8E-4B64-4397-BC3A-189C05C0C48D}" type="datetimeFigureOut">
               <a:rPr lang="es-ES" smtClean="0"/>
-              <a:t>05/05/2025</a:t>
+              <a:t>11/05/2025</a:t>
             </a:fld>
             <a:endParaRPr lang="es-ES"/>
           </a:p>
@@ -4048,7 +4049,7 @@
           <a:p>
             <a:fld id="{401FBF8E-4B64-4397-BC3A-189C05C0C48D}" type="datetimeFigureOut">
               <a:rPr lang="es-ES" smtClean="0"/>
-              <a:t>05/05/2025</a:t>
+              <a:t>11/05/2025</a:t>
             </a:fld>
             <a:endParaRPr lang="es-ES"/>
           </a:p>
@@ -4303,7 +4304,7 @@
           <a:p>
             <a:fld id="{401FBF8E-4B64-4397-BC3A-189C05C0C48D}" type="datetimeFigureOut">
               <a:rPr lang="es-ES" smtClean="0"/>
-              <a:t>05/05/2025</a:t>
+              <a:t>11/05/2025</a:t>
             </a:fld>
             <a:endParaRPr lang="es-ES"/>
           </a:p>
@@ -4566,7 +4567,7 @@
           <a:p>
             <a:fld id="{401FBF8E-4B64-4397-BC3A-189C05C0C48D}" type="datetimeFigureOut">
               <a:rPr lang="es-ES" smtClean="0"/>
-              <a:t>05/05/2025</a:t>
+              <a:t>11/05/2025</a:t>
             </a:fld>
             <a:endParaRPr lang="es-ES"/>
           </a:p>
@@ -5309,7 +5310,7 @@
           <a:p>
             <a:fld id="{401FBF8E-4B64-4397-BC3A-189C05C0C48D}" type="datetimeFigureOut">
               <a:rPr lang="es-ES" smtClean="0"/>
-              <a:t>05/05/2025</a:t>
+              <a:t>11/05/2025</a:t>
             </a:fld>
             <a:endParaRPr lang="es-ES"/>
           </a:p>
@@ -6222,6 +6223,131 @@
           <a:chExt cx="0" cy="0"/>
         </a:xfrm>
       </p:grpSpPr>
+      <p:sp>
+        <p:nvSpPr>
+          <p:cNvPr id="2" name="CuadroTexto 1">
+            <a:extLst>
+              <a:ext uri="{FF2B5EF4-FFF2-40B4-BE49-F238E27FC236}">
+                <a16:creationId xmlns:a16="http://schemas.microsoft.com/office/drawing/2014/main" id="{D9F6915B-3FAD-C589-0CE4-9AE8ACBF72D3}"/>
+              </a:ext>
+            </a:extLst>
+          </p:cNvPr>
+          <p:cNvSpPr txBox="1"/>
+          <p:nvPr/>
+        </p:nvSpPr>
+        <p:spPr>
+          <a:xfrm>
+            <a:off x="573800" y="188178"/>
+            <a:ext cx="10629134" cy="584775"/>
+          </a:xfrm>
+          <a:prstGeom prst="rect">
+            <a:avLst/>
+          </a:prstGeom>
+          <a:noFill/>
+        </p:spPr>
+        <p:txBody>
+          <a:bodyPr wrap="square" rtlCol="0">
+            <a:spAutoFit/>
+          </a:bodyPr>
+          <a:lstStyle/>
+          <a:p>
+            <a:r>
+              <a:rPr lang="es-ES" sz="3200" dirty="0"/>
+              <a:t>IMPLEMENTACIÓN CARACTERÍSTICAS CASCADAS DE HAAR.</a:t>
+            </a:r>
+          </a:p>
+        </p:txBody>
+      </p:sp>
+      <p:pic>
+        <p:nvPicPr>
+          <p:cNvPr id="8" name="Imagen 7">
+            <a:extLst>
+              <a:ext uri="{FF2B5EF4-FFF2-40B4-BE49-F238E27FC236}">
+                <a16:creationId xmlns:a16="http://schemas.microsoft.com/office/drawing/2014/main" id="{4E4E1A65-BE56-3944-A46B-C40CE480E65C}"/>
+              </a:ext>
+            </a:extLst>
+          </p:cNvPr>
+          <p:cNvPicPr>
+            <a:picLocks noChangeAspect="1"/>
+          </p:cNvPicPr>
+          <p:nvPr/>
+        </p:nvPicPr>
+        <p:blipFill>
+          <a:blip r:embed="rId2"/>
+          <a:stretch>
+            <a:fillRect/>
+          </a:stretch>
+        </p:blipFill>
+        <p:spPr>
+          <a:xfrm>
+            <a:off x="361017" y="1096804"/>
+            <a:ext cx="5105320" cy="1738450"/>
+          </a:xfrm>
+          <a:prstGeom prst="rect">
+            <a:avLst/>
+          </a:prstGeom>
+        </p:spPr>
+      </p:pic>
+      <p:pic>
+        <p:nvPicPr>
+          <p:cNvPr id="12" name="Imagen 11">
+            <a:extLst>
+              <a:ext uri="{FF2B5EF4-FFF2-40B4-BE49-F238E27FC236}">
+                <a16:creationId xmlns:a16="http://schemas.microsoft.com/office/drawing/2014/main" id="{208DACF7-DC5C-404E-0B3C-5D78C8292F4E}"/>
+              </a:ext>
+            </a:extLst>
+          </p:cNvPr>
+          <p:cNvPicPr>
+            <a:picLocks noChangeAspect="1"/>
+          </p:cNvPicPr>
+          <p:nvPr/>
+        </p:nvPicPr>
+        <p:blipFill>
+          <a:blip r:embed="rId3"/>
+          <a:stretch>
+            <a:fillRect/>
+          </a:stretch>
+        </p:blipFill>
+        <p:spPr>
+          <a:xfrm>
+            <a:off x="1906814" y="3492015"/>
+            <a:ext cx="4800832" cy="2572597"/>
+          </a:xfrm>
+          <a:prstGeom prst="rect">
+            <a:avLst/>
+          </a:prstGeom>
+        </p:spPr>
+      </p:pic>
+      <p:pic>
+        <p:nvPicPr>
+          <p:cNvPr id="14" name="Imagen 13">
+            <a:extLst>
+              <a:ext uri="{FF2B5EF4-FFF2-40B4-BE49-F238E27FC236}">
+                <a16:creationId xmlns:a16="http://schemas.microsoft.com/office/drawing/2014/main" id="{AF00BE09-84BC-8644-B71B-2858EC84E521}"/>
+              </a:ext>
+            </a:extLst>
+          </p:cNvPr>
+          <p:cNvPicPr>
+            <a:picLocks noChangeAspect="1"/>
+          </p:cNvPicPr>
+          <p:nvPr/>
+        </p:nvPicPr>
+        <p:blipFill>
+          <a:blip r:embed="rId4"/>
+          <a:stretch>
+            <a:fillRect/>
+          </a:stretch>
+        </p:blipFill>
+        <p:spPr>
+          <a:xfrm>
+            <a:off x="8273945" y="2227164"/>
+            <a:ext cx="2060615" cy="2060615"/>
+          </a:xfrm>
+          <a:prstGeom prst="rect">
+            <a:avLst/>
+          </a:prstGeom>
+        </p:spPr>
+      </p:pic>
     </p:spTree>
     <p:extLst>
       <p:ext uri="{BB962C8B-B14F-4D97-AF65-F5344CB8AC3E}">
@@ -6252,10 +6378,220 @@
           <a:chExt cx="0" cy="0"/>
         </a:xfrm>
       </p:grpSpPr>
+      <p:pic>
+        <p:nvPicPr>
+          <p:cNvPr id="3" name="Imagen 2">
+            <a:extLst>
+              <a:ext uri="{FF2B5EF4-FFF2-40B4-BE49-F238E27FC236}">
+                <a16:creationId xmlns:a16="http://schemas.microsoft.com/office/drawing/2014/main" id="{748F6301-9473-208E-50F8-C7F715FC9ED7}"/>
+              </a:ext>
+            </a:extLst>
+          </p:cNvPr>
+          <p:cNvPicPr>
+            <a:picLocks noChangeAspect="1"/>
+          </p:cNvPicPr>
+          <p:nvPr/>
+        </p:nvPicPr>
+        <p:blipFill>
+          <a:blip r:embed="rId2"/>
+          <a:stretch>
+            <a:fillRect/>
+          </a:stretch>
+        </p:blipFill>
+        <p:spPr>
+          <a:xfrm>
+            <a:off x="411871" y="1187679"/>
+            <a:ext cx="3233456" cy="3233456"/>
+          </a:xfrm>
+          <a:prstGeom prst="rect">
+            <a:avLst/>
+          </a:prstGeom>
+        </p:spPr>
+      </p:pic>
+      <p:pic>
+        <p:nvPicPr>
+          <p:cNvPr id="5" name="Imagen 4">
+            <a:extLst>
+              <a:ext uri="{FF2B5EF4-FFF2-40B4-BE49-F238E27FC236}">
+                <a16:creationId xmlns:a16="http://schemas.microsoft.com/office/drawing/2014/main" id="{23AB684B-F14D-76EF-ECAE-381A476CC532}"/>
+              </a:ext>
+            </a:extLst>
+          </p:cNvPr>
+          <p:cNvPicPr>
+            <a:picLocks noChangeAspect="1"/>
+          </p:cNvPicPr>
+          <p:nvPr/>
+        </p:nvPicPr>
+        <p:blipFill>
+          <a:blip r:embed="rId3"/>
+          <a:stretch>
+            <a:fillRect/>
+          </a:stretch>
+        </p:blipFill>
+        <p:spPr>
+          <a:xfrm>
+            <a:off x="6096000" y="509456"/>
+            <a:ext cx="2572231" cy="1425376"/>
+          </a:xfrm>
+          <a:prstGeom prst="rect">
+            <a:avLst/>
+          </a:prstGeom>
+        </p:spPr>
+      </p:pic>
+      <p:pic>
+        <p:nvPicPr>
+          <p:cNvPr id="7" name="Imagen 6">
+            <a:extLst>
+              <a:ext uri="{FF2B5EF4-FFF2-40B4-BE49-F238E27FC236}">
+                <a16:creationId xmlns:a16="http://schemas.microsoft.com/office/drawing/2014/main" id="{FA67EA96-2735-05AD-533D-E282077D138F}"/>
+              </a:ext>
+            </a:extLst>
+          </p:cNvPr>
+          <p:cNvPicPr>
+            <a:picLocks noChangeAspect="1"/>
+          </p:cNvPicPr>
+          <p:nvPr/>
+        </p:nvPicPr>
+        <p:blipFill>
+          <a:blip r:embed="rId4"/>
+          <a:stretch>
+            <a:fillRect/>
+          </a:stretch>
+        </p:blipFill>
+        <p:spPr>
+          <a:xfrm>
+            <a:off x="5484348" y="2778790"/>
+            <a:ext cx="3950997" cy="1300419"/>
+          </a:xfrm>
+          <a:prstGeom prst="rect">
+            <a:avLst/>
+          </a:prstGeom>
+        </p:spPr>
+      </p:pic>
+      <p:pic>
+        <p:nvPicPr>
+          <p:cNvPr id="9" name="Imagen 8">
+            <a:extLst>
+              <a:ext uri="{FF2B5EF4-FFF2-40B4-BE49-F238E27FC236}">
+                <a16:creationId xmlns:a16="http://schemas.microsoft.com/office/drawing/2014/main" id="{AF8837FA-32A4-4F21-944B-8528A9CB046D}"/>
+              </a:ext>
+            </a:extLst>
+          </p:cNvPr>
+          <p:cNvPicPr>
+            <a:picLocks noChangeAspect="1"/>
+          </p:cNvPicPr>
+          <p:nvPr/>
+        </p:nvPicPr>
+        <p:blipFill>
+          <a:blip r:embed="rId5"/>
+          <a:stretch>
+            <a:fillRect/>
+          </a:stretch>
+        </p:blipFill>
+        <p:spPr>
+          <a:xfrm>
+            <a:off x="5484347" y="4562834"/>
+            <a:ext cx="3929677" cy="1073022"/>
+          </a:xfrm>
+          <a:prstGeom prst="rect">
+            <a:avLst/>
+          </a:prstGeom>
+        </p:spPr>
+      </p:pic>
     </p:spTree>
     <p:extLst>
       <p:ext uri="{BB962C8B-B14F-4D97-AF65-F5344CB8AC3E}">
         <p14:creationId xmlns:p14="http://schemas.microsoft.com/office/powerpoint/2010/main" val="3215475236"/>
+      </p:ext>
+    </p:extLst>
+  </p:cSld>
+  <p:clrMapOvr>
+    <a:masterClrMapping/>
+  </p:clrMapOvr>
+</p:sld>
+</file>
+
+<file path=ppt/slides/slide6.xml><?xml version="1.0" encoding="utf-8"?>
+<p:sld xmlns:a="http://schemas.openxmlformats.org/drawingml/2006/main" xmlns:r="http://schemas.openxmlformats.org/officeDocument/2006/relationships" xmlns:p="http://schemas.openxmlformats.org/presentationml/2006/main">
+  <p:cSld>
+    <p:spTree>
+      <p:nvGrpSpPr>
+        <p:cNvPr id="1" name=""/>
+        <p:cNvGrpSpPr/>
+        <p:nvPr/>
+      </p:nvGrpSpPr>
+      <p:grpSpPr>
+        <a:xfrm>
+          <a:off x="0" y="0"/>
+          <a:ext cx="0" cy="0"/>
+          <a:chOff x="0" y="0"/>
+          <a:chExt cx="0" cy="0"/>
+        </a:xfrm>
+      </p:grpSpPr>
+      <p:pic>
+        <p:nvPicPr>
+          <p:cNvPr id="3" name="Imagen 2">
+            <a:extLst>
+              <a:ext uri="{FF2B5EF4-FFF2-40B4-BE49-F238E27FC236}">
+                <a16:creationId xmlns:a16="http://schemas.microsoft.com/office/drawing/2014/main" id="{43B3EFEE-517B-D081-10C4-86CE769944F5}"/>
+              </a:ext>
+            </a:extLst>
+          </p:cNvPr>
+          <p:cNvPicPr>
+            <a:picLocks noChangeAspect="1"/>
+          </p:cNvPicPr>
+          <p:nvPr/>
+        </p:nvPicPr>
+        <p:blipFill>
+          <a:blip r:embed="rId2"/>
+          <a:stretch>
+            <a:fillRect/>
+          </a:stretch>
+        </p:blipFill>
+        <p:spPr>
+          <a:xfrm>
+            <a:off x="1589881" y="1326922"/>
+            <a:ext cx="2248483" cy="1244444"/>
+          </a:xfrm>
+          <a:prstGeom prst="rect">
+            <a:avLst/>
+          </a:prstGeom>
+        </p:spPr>
+      </p:pic>
+      <p:pic>
+        <p:nvPicPr>
+          <p:cNvPr id="5" name="Imagen 4">
+            <a:extLst>
+              <a:ext uri="{FF2B5EF4-FFF2-40B4-BE49-F238E27FC236}">
+                <a16:creationId xmlns:a16="http://schemas.microsoft.com/office/drawing/2014/main" id="{393962A9-32AC-0014-B3D4-9D876C9525B2}"/>
+              </a:ext>
+            </a:extLst>
+          </p:cNvPr>
+          <p:cNvPicPr>
+            <a:picLocks noChangeAspect="1"/>
+          </p:cNvPicPr>
+          <p:nvPr/>
+        </p:nvPicPr>
+        <p:blipFill>
+          <a:blip r:embed="rId3"/>
+          <a:stretch>
+            <a:fillRect/>
+          </a:stretch>
+        </p:blipFill>
+        <p:spPr>
+          <a:xfrm>
+            <a:off x="5440109" y="1326922"/>
+            <a:ext cx="3924820" cy="3917910"/>
+          </a:xfrm>
+          <a:prstGeom prst="rect">
+            <a:avLst/>
+          </a:prstGeom>
+        </p:spPr>
+      </p:pic>
+    </p:spTree>
+    <p:extLst>
+      <p:ext uri="{BB962C8B-B14F-4D97-AF65-F5344CB8AC3E}">
+        <p14:creationId xmlns:p14="http://schemas.microsoft.com/office/powerpoint/2010/main" val="3328796308"/>
       </p:ext>
     </p:extLst>
   </p:cSld>
